--- a/Research/____ISSTA 26/Fig_Overview2.pptx
+++ b/Research/____ISSTA 26/Fig_Overview2.pptx
@@ -10492,7 +10492,7 @@
         </p:nvSpPr>
         <p:spPr>
           <a:xfrm>
-            <a:off x="2006600" y="827071"/>
+            <a:off x="156634" y="111638"/>
             <a:ext cx="8665092" cy="2885440"/>
           </a:xfrm>
           <a:prstGeom prst="rect">
@@ -10556,7 +10556,7 @@
         </p:nvSpPr>
         <p:spPr>
           <a:xfrm>
-            <a:off x="2160616" y="3020837"/>
+            <a:off x="310650" y="2305404"/>
             <a:ext cx="1694645" cy="520947"/>
           </a:xfrm>
           <a:prstGeom prst="rect">
@@ -10652,7 +10652,7 @@
         </p:nvSpPr>
         <p:spPr>
           <a:xfrm>
-            <a:off x="2150458" y="1167623"/>
+            <a:off x="300492" y="452190"/>
             <a:ext cx="2370720" cy="1560953"/>
           </a:xfrm>
           <a:prstGeom prst="rect">
@@ -10736,7 +10736,7 @@
         </p:nvSpPr>
         <p:spPr>
           <a:xfrm>
-            <a:off x="2224282" y="1467271"/>
+            <a:off x="374316" y="751838"/>
             <a:ext cx="2227185" cy="1131327"/>
           </a:xfrm>
           <a:prstGeom prst="roundRect">
@@ -10847,7 +10847,7 @@
         </p:nvSpPr>
         <p:spPr>
           <a:xfrm>
-            <a:off x="2287763" y="1813988"/>
+            <a:off x="437797" y="1098555"/>
             <a:ext cx="1563037" cy="664870"/>
           </a:xfrm>
           <a:prstGeom prst="roundRect">
@@ -10958,7 +10958,7 @@
         </p:nvSpPr>
         <p:spPr>
           <a:xfrm>
-            <a:off x="3890716" y="1813988"/>
+            <a:off x="2040750" y="1098555"/>
             <a:ext cx="227444" cy="664870"/>
           </a:xfrm>
           <a:prstGeom prst="roundRect">
@@ -11055,7 +11055,7 @@
         </p:nvSpPr>
         <p:spPr>
           <a:xfrm>
-            <a:off x="4158313" y="1813988"/>
+            <a:off x="2308347" y="1098555"/>
             <a:ext cx="227444" cy="664870"/>
           </a:xfrm>
           <a:prstGeom prst="roundRect">
@@ -11152,7 +11152,7 @@
         </p:nvSpPr>
         <p:spPr>
           <a:xfrm>
-            <a:off x="2345491" y="2106249"/>
+            <a:off x="495525" y="1390816"/>
             <a:ext cx="1067168" cy="288320"/>
           </a:xfrm>
           <a:prstGeom prst="roundRect">
@@ -11261,7 +11261,7 @@
         </p:nvSpPr>
         <p:spPr>
           <a:xfrm flipH="1">
-            <a:off x="3458833" y="2106249"/>
+            <a:off x="1608867" y="1390816"/>
             <a:ext cx="120311" cy="288320"/>
           </a:xfrm>
           <a:prstGeom prst="roundRect">
@@ -11356,7 +11356,7 @@
         </p:nvSpPr>
         <p:spPr>
           <a:xfrm>
-            <a:off x="2496188" y="2408930"/>
+            <a:off x="646222" y="1693497"/>
             <a:ext cx="304394" cy="688315"/>
           </a:xfrm>
           <a:prstGeom prst="downArrow">
@@ -11423,7 +11423,7 @@
         </p:nvSpPr>
         <p:spPr>
           <a:xfrm flipH="1">
-            <a:off x="3612837" y="2106249"/>
+            <a:off x="1762871" y="1390816"/>
             <a:ext cx="120311" cy="288320"/>
           </a:xfrm>
           <a:prstGeom prst="roundRect">
@@ -11532,7 +11532,7 @@
         </p:blipFill>
         <p:spPr>
           <a:xfrm>
-            <a:off x="2633425" y="1500459"/>
+            <a:off x="783459" y="785026"/>
             <a:ext cx="295675" cy="298581"/>
           </a:xfrm>
           <a:prstGeom prst="rect">
@@ -11554,7 +11554,7 @@
         </p:nvSpPr>
         <p:spPr>
           <a:xfrm>
-            <a:off x="4614483" y="1181356"/>
+            <a:off x="2764517" y="465923"/>
             <a:ext cx="1919768" cy="1820698"/>
           </a:xfrm>
           <a:prstGeom prst="rect">
@@ -11638,7 +11638,7 @@
         </p:nvSpPr>
         <p:spPr>
           <a:xfrm>
-            <a:off x="6845287" y="1181356"/>
+            <a:off x="4995321" y="465923"/>
             <a:ext cx="3246979" cy="1820697"/>
           </a:xfrm>
           <a:prstGeom prst="rect">
@@ -11722,7 +11722,7 @@
         </p:nvSpPr>
         <p:spPr>
           <a:xfrm>
-            <a:off x="6187650" y="2593076"/>
+            <a:off x="4337684" y="1877643"/>
             <a:ext cx="1028533" cy="248250"/>
           </a:xfrm>
           <a:prstGeom prst="roundRect">
@@ -11788,7 +11788,7 @@
         </p:nvSpPr>
         <p:spPr>
           <a:xfrm>
-            <a:off x="4761865" y="1609030"/>
+            <a:off x="2911899" y="893597"/>
             <a:ext cx="1463679" cy="1211819"/>
           </a:xfrm>
           <a:custGeom>
@@ -12016,7 +12016,7 @@
         </p:blipFill>
         <p:spPr>
           <a:xfrm>
-            <a:off x="4898229" y="1690095"/>
+            <a:off x="3048263" y="974662"/>
             <a:ext cx="534420" cy="534420"/>
           </a:xfrm>
           <a:prstGeom prst="rect">
@@ -12038,7 +12038,7 @@
         </p:nvGrpSpPr>
         <p:grpSpPr>
           <a:xfrm>
-            <a:off x="5567897" y="2052688"/>
+            <a:off x="3717931" y="1337255"/>
             <a:ext cx="436207" cy="438424"/>
             <a:chOff x="7079832" y="2188987"/>
             <a:chExt cx="667891" cy="707548"/>
@@ -12145,7 +12145,7 @@
         </p:blipFill>
         <p:spPr>
           <a:xfrm>
-            <a:off x="5172720" y="2311711"/>
+            <a:off x="3322754" y="1596278"/>
             <a:ext cx="410725" cy="410725"/>
           </a:xfrm>
           <a:prstGeom prst="rect">
@@ -12167,7 +12167,7 @@
         </p:nvGrpSpPr>
         <p:grpSpPr>
           <a:xfrm>
-            <a:off x="7824059" y="1948100"/>
+            <a:off x="5974093" y="1232667"/>
             <a:ext cx="436207" cy="438424"/>
             <a:chOff x="7079832" y="2188987"/>
             <a:chExt cx="667891" cy="707548"/>
@@ -12274,7 +12274,7 @@
         </p:blipFill>
         <p:spPr>
           <a:xfrm>
-            <a:off x="7428882" y="2207123"/>
+            <a:off x="5578916" y="1491690"/>
             <a:ext cx="410725" cy="410725"/>
           </a:xfrm>
           <a:prstGeom prst="rect">
@@ -12310,7 +12310,7 @@
         </p:blipFill>
         <p:spPr>
           <a:xfrm>
-            <a:off x="7098808" y="1626284"/>
+            <a:off x="5248842" y="910851"/>
             <a:ext cx="590507" cy="590507"/>
           </a:xfrm>
           <a:prstGeom prst="rect">
@@ -12346,7 +12346,7 @@
         </p:blipFill>
         <p:spPr>
           <a:xfrm>
-            <a:off x="7597329" y="1204067"/>
+            <a:off x="5747363" y="488634"/>
             <a:ext cx="334416" cy="334416"/>
           </a:xfrm>
           <a:prstGeom prst="rect">
@@ -12368,7 +12368,7 @@
         </p:nvSpPr>
         <p:spPr>
           <a:xfrm>
-            <a:off x="3775763" y="2871292"/>
+            <a:off x="1925797" y="2155859"/>
             <a:ext cx="2848892" cy="410936"/>
           </a:xfrm>
           <a:prstGeom prst="bentUpArrow">
@@ -12425,7 +12425,7 @@
         </p:nvSpPr>
         <p:spPr>
           <a:xfrm>
-            <a:off x="3775763" y="2728576"/>
+            <a:off x="1925797" y="2013143"/>
             <a:ext cx="5873062" cy="699978"/>
           </a:xfrm>
           <a:prstGeom prst="bentUpArrow">
@@ -12482,7 +12482,7 @@
         </p:nvSpPr>
         <p:spPr>
           <a:xfrm>
-            <a:off x="4118160" y="3063139"/>
+            <a:off x="2268194" y="2347706"/>
             <a:ext cx="976854" cy="427096"/>
           </a:xfrm>
           <a:prstGeom prst="roundRect">
@@ -12551,7 +12551,7 @@
         </p:nvGrpSpPr>
         <p:grpSpPr>
           <a:xfrm>
-            <a:off x="6654801" y="2736459"/>
+            <a:off x="4804835" y="2021026"/>
             <a:ext cx="2697761" cy="545128"/>
             <a:chOff x="4351210" y="4175737"/>
             <a:chExt cx="4025020" cy="583570"/>
@@ -12688,7 +12688,7 @@
         </p:nvSpPr>
         <p:spPr>
           <a:xfrm flipH="1">
-            <a:off x="2590645" y="3119707"/>
+            <a:off x="740679" y="2404274"/>
             <a:ext cx="130009" cy="334666"/>
           </a:xfrm>
           <a:prstGeom prst="roundRect">
@@ -12787,7 +12787,7 @@
         </p:nvSpPr>
         <p:spPr>
           <a:xfrm flipH="1">
-            <a:off x="2745854" y="3119707"/>
+            <a:off x="895888" y="2404274"/>
             <a:ext cx="130009" cy="334666"/>
           </a:xfrm>
           <a:prstGeom prst="roundRect">
@@ -12886,7 +12886,7 @@
         </p:nvSpPr>
         <p:spPr>
           <a:xfrm flipH="1">
-            <a:off x="2901063" y="3119707"/>
+            <a:off x="1051097" y="2404274"/>
             <a:ext cx="130009" cy="334666"/>
           </a:xfrm>
           <a:prstGeom prst="roundRect">
@@ -12985,7 +12985,7 @@
         </p:nvSpPr>
         <p:spPr>
           <a:xfrm flipH="1">
-            <a:off x="3056272" y="3119707"/>
+            <a:off x="1206306" y="2404274"/>
             <a:ext cx="130009" cy="334666"/>
           </a:xfrm>
           <a:prstGeom prst="roundRect">
@@ -13084,7 +13084,7 @@
         </p:nvSpPr>
         <p:spPr>
           <a:xfrm flipH="1">
-            <a:off x="3211481" y="3119707"/>
+            <a:off x="1361515" y="2404274"/>
             <a:ext cx="130009" cy="334666"/>
           </a:xfrm>
           <a:prstGeom prst="roundRect">
@@ -13183,7 +13183,7 @@
         </p:nvSpPr>
         <p:spPr>
           <a:xfrm flipH="1">
-            <a:off x="3366690" y="3119707"/>
+            <a:off x="1516724" y="2404274"/>
             <a:ext cx="130009" cy="334666"/>
           </a:xfrm>
           <a:prstGeom prst="roundRect">
@@ -13282,7 +13282,7 @@
         </p:nvSpPr>
         <p:spPr>
           <a:xfrm flipH="1">
-            <a:off x="3521899" y="3119707"/>
+            <a:off x="1671933" y="2404274"/>
             <a:ext cx="130009" cy="334666"/>
           </a:xfrm>
           <a:prstGeom prst="roundRect">
@@ -13381,7 +13381,7 @@
         </p:nvSpPr>
         <p:spPr>
           <a:xfrm flipH="1">
-            <a:off x="3677108" y="3119707"/>
+            <a:off x="1827142" y="2404274"/>
             <a:ext cx="130009" cy="334666"/>
           </a:xfrm>
           <a:prstGeom prst="roundRect">
@@ -13480,7 +13480,7 @@
         </p:nvSpPr>
         <p:spPr>
           <a:xfrm>
-            <a:off x="8048247" y="1560235"/>
+            <a:off x="6198281" y="844802"/>
             <a:ext cx="1124986" cy="316995"/>
           </a:xfrm>
           <a:prstGeom prst="leftRightArrow">
@@ -13543,7 +13543,7 @@
         </p:nvSpPr>
         <p:spPr>
           <a:xfrm>
-            <a:off x="6882951" y="1585075"/>
+            <a:off x="5032985" y="869642"/>
             <a:ext cx="1535009" cy="1231414"/>
           </a:xfrm>
           <a:custGeom>
@@ -13747,7 +13747,7 @@
         </p:nvSpPr>
         <p:spPr>
           <a:xfrm>
-            <a:off x="5414673" y="1726795"/>
+            <a:off x="3564707" y="1011362"/>
             <a:ext cx="1703392" cy="377731"/>
           </a:xfrm>
           <a:prstGeom prst="rightArrow">
@@ -13800,7 +13800,7 @@
         </p:nvSpPr>
         <p:spPr>
           <a:xfrm>
-            <a:off x="6216744" y="2269791"/>
+            <a:off x="4366778" y="1554358"/>
             <a:ext cx="1044472" cy="316995"/>
           </a:xfrm>
           <a:prstGeom prst="leftRightArrow">
@@ -13860,7 +13860,7 @@
         </p:nvSpPr>
         <p:spPr>
           <a:xfrm rot="5400000" flipH="1">
-            <a:off x="7525300" y="1984176"/>
+            <a:off x="5675334" y="1268743"/>
             <a:ext cx="104584" cy="249196"/>
           </a:xfrm>
           <a:prstGeom prst="roundRect">
@@ -13959,7 +13959,7 @@
         </p:nvSpPr>
         <p:spPr>
           <a:xfrm rot="5400000">
-            <a:off x="8369875" y="2001754"/>
+            <a:off x="6519909" y="1286321"/>
             <a:ext cx="275898" cy="1183451"/>
           </a:xfrm>
           <a:prstGeom prst="downArrow">
@@ -14026,7 +14026,7 @@
         </p:nvSpPr>
         <p:spPr>
           <a:xfrm>
-            <a:off x="8430835" y="2026002"/>
+            <a:off x="6580869" y="1310569"/>
             <a:ext cx="827465" cy="253926"/>
           </a:xfrm>
           <a:prstGeom prst="rightArrow">
@@ -14093,7 +14093,7 @@
         </p:nvSpPr>
         <p:spPr>
           <a:xfrm>
-            <a:off x="8971919" y="2404824"/>
+            <a:off x="7121953" y="1689391"/>
             <a:ext cx="987941" cy="340181"/>
           </a:xfrm>
           <a:prstGeom prst="roundRect">
@@ -14162,7 +14162,7 @@
         </p:nvGrpSpPr>
         <p:grpSpPr>
           <a:xfrm>
-            <a:off x="9232321" y="1533439"/>
+            <a:off x="7382355" y="818006"/>
             <a:ext cx="599688" cy="633921"/>
             <a:chOff x="7088031" y="6351077"/>
             <a:chExt cx="599688" cy="633921"/>
@@ -14286,7 +14286,7 @@
         </p:nvSpPr>
         <p:spPr>
           <a:xfrm rot="5400000" flipH="1">
-            <a:off x="7754855" y="2406242"/>
+            <a:off x="5904889" y="1690809"/>
             <a:ext cx="104584" cy="249196"/>
           </a:xfrm>
           <a:prstGeom prst="roundRect">
@@ -14385,7 +14385,7 @@
         </p:nvSpPr>
         <p:spPr>
           <a:xfrm rot="5400000" flipH="1">
-            <a:off x="8176178" y="2026270"/>
+            <a:off x="6326212" y="1310837"/>
             <a:ext cx="104584" cy="249196"/>
           </a:xfrm>
           <a:prstGeom prst="roundRect">
@@ -14498,7 +14498,7 @@
         </p:blipFill>
         <p:spPr>
           <a:xfrm>
-            <a:off x="4780737" y="1212911"/>
+            <a:off x="2930771" y="497478"/>
             <a:ext cx="334416" cy="334416"/>
           </a:xfrm>
           <a:prstGeom prst="rect">
